--- a/Assignment 2.pptx
+++ b/Assignment 2.pptx
@@ -6,6 +6,9 @@
   </p:sldMasterIdLst>
   <p:sldIdLst>
     <p:sldId id="257" r:id="rId2"/>
+    <p:sldId id="258" r:id="rId3"/>
+    <p:sldId id="259" r:id="rId4"/>
+    <p:sldId id="260" r:id="rId5"/>
   </p:sldIdLst>
   <p:sldSz cx="12192000" cy="6858000"/>
   <p:notesSz cx="6858000" cy="9144000"/>
@@ -104,6 +107,22 @@
       </a:defRPr>
     </a:lvl9pPr>
   </p:defaultTextStyle>
+  <p:extLst>
+    <p:ext uri="{EFAFB233-063F-42B5-8137-9DF3F51BA10A}">
+      <p15:sldGuideLst xmlns:p15="http://schemas.microsoft.com/office/powerpoint/2012/main">
+        <p15:guide id="1" orient="horz" pos="2160">
+          <p15:clr>
+            <a:srgbClr val="A4A3A4"/>
+          </p15:clr>
+        </p15:guide>
+        <p15:guide id="2" pos="3840">
+          <p15:clr>
+            <a:srgbClr val="A4A3A4"/>
+          </p15:clr>
+        </p15:guide>
+      </p15:sldGuideLst>
+    </p:ext>
+  </p:extLst>
 </p:presentation>
 </file>
 
@@ -1471,7 +1490,7 @@
         <a:lstStyle/>
         <a:p>
           <a:r>
-            <a:rPr lang="en-IN" sz="1000">
+            <a:rPr lang="en-IN" sz="1000" dirty="0">
               <a:latin typeface="Arial" panose="020B0604020202020204" pitchFamily="34" charset="0"/>
               <a:cs typeface="Arial" panose="020B0604020202020204" pitchFamily="34" charset="0"/>
             </a:rPr>
@@ -1502,55 +1521,9 @@
         </a:p>
       </dgm:t>
     </dgm:pt>
-    <dgm:pt modelId="{436628E4-383C-40E7-840A-8E2D69D332F0}">
+    <dgm:pt modelId="{3E432599-70DE-43CA-BC36-A9A6823D2975}">
       <dgm:prSet phldrT="[Text]" custT="1"/>
       <dgm:spPr/>
-      <dgm:t>
-        <a:bodyPr/>
-        <a:lstStyle/>
-        <a:p>
-          <a:r>
-            <a:rPr lang="en-IN" sz="1000" dirty="0">
-              <a:latin typeface="Arial" panose="020B0604020202020204" pitchFamily="34" charset="0"/>
-              <a:cs typeface="Arial" panose="020B0604020202020204" pitchFamily="34" charset="0"/>
-            </a:rPr>
-            <a:t>Discover rules</a:t>
-          </a:r>
-        </a:p>
-      </dgm:t>
-    </dgm:pt>
-    <dgm:pt modelId="{D06079D2-07C1-41FE-AE53-32F6A930DB3A}" type="parTrans" cxnId="{55A9A73C-A7AA-4C35-B8E3-223F4798E5EA}">
-      <dgm:prSet/>
-      <dgm:spPr/>
-      <dgm:t>
-        <a:bodyPr/>
-        <a:lstStyle/>
-        <a:p>
-          <a:endParaRPr lang="en-IN"/>
-        </a:p>
-      </dgm:t>
-    </dgm:pt>
-    <dgm:pt modelId="{A63DE944-1E1D-416C-AAB0-4F5DE72306F5}" type="sibTrans" cxnId="{55A9A73C-A7AA-4C35-B8E3-223F4798E5EA}">
-      <dgm:prSet/>
-      <dgm:spPr/>
-      <dgm:t>
-        <a:bodyPr/>
-        <a:lstStyle/>
-        <a:p>
-          <a:endParaRPr lang="en-IN"/>
-        </a:p>
-      </dgm:t>
-    </dgm:pt>
-    <dgm:pt modelId="{3E432599-70DE-43CA-BC36-A9A6823D2975}">
-      <dgm:prSet phldrT="[Text]" custT="1"/>
-      <dgm:spPr>
-        <a:blipFill rotWithShape="0">
-          <a:blip xmlns:r="http://schemas.openxmlformats.org/officeDocument/2006/relationships" r:embed="rId1"/>
-          <a:stretch>
-            <a:fillRect/>
-          </a:stretch>
-        </a:blipFill>
-      </dgm:spPr>
       <dgm:t>
         <a:bodyPr/>
         <a:lstStyle/>
@@ -1605,7 +1578,7 @@
               <a:latin typeface="Arial" panose="020B0604020202020204" pitchFamily="34" charset="0"/>
               <a:cs typeface="Arial" panose="020B0604020202020204" pitchFamily="34" charset="0"/>
             </a:rPr>
-            <a:t>1pregnencies</a:t>
+            <a:t>Glucose</a:t>
           </a:r>
           <a:endParaRPr lang="en-IN" sz="1000" b="1" dirty="0">
             <a:latin typeface="Arial" panose="020B0604020202020204" pitchFamily="34" charset="0"/>
@@ -1693,14 +1666,7 @@
               <a:latin typeface="Arial" panose="020B0604020202020204" pitchFamily="34" charset="0"/>
               <a:cs typeface="Arial" panose="020B0604020202020204" pitchFamily="34" charset="0"/>
             </a:rPr>
-            <a:t>3 </a:t>
-          </a:r>
-          <a:r>
-            <a:rPr lang="en-IN" sz="1000" b="1" dirty="0" err="1" smtClean="0">
-              <a:latin typeface="Arial" panose="020B0604020202020204" pitchFamily="34" charset="0"/>
-              <a:cs typeface="Arial" panose="020B0604020202020204" pitchFamily="34" charset="0"/>
-            </a:rPr>
-            <a:t>SkinThickness</a:t>
+            <a:t>3Age</a:t>
           </a:r>
           <a:endParaRPr lang="en-IN" sz="1000" b="1" dirty="0">
             <a:latin typeface="Arial" panose="020B0604020202020204" pitchFamily="34" charset="0"/>
@@ -1878,6 +1844,57 @@
           <a:endParaRPr lang="en-US"/>
         </a:p>
       </dgm:t>
+    </dgm:pt>
+    <dgm:pt modelId="{D3B88482-3AE4-41A6-B7D2-9CDCDA6B2769}">
+      <dgm:prSet phldrT="[Text]" custT="1"/>
+      <dgm:spPr/>
+      <dgm:t>
+        <a:bodyPr/>
+        <a:lstStyle/>
+        <a:p>
+          <a:r>
+            <a:rPr lang="en-IN" sz="1000" dirty="0" smtClean="0">
+              <a:latin typeface="Arial" panose="020B0604020202020204" pitchFamily="34" charset="0"/>
+              <a:cs typeface="Arial" panose="020B0604020202020204" pitchFamily="34" charset="0"/>
+            </a:rPr>
+            <a:t>If </a:t>
+          </a:r>
+          <a:endParaRPr lang="en-IN" sz="1000" dirty="0">
+            <a:latin typeface="Arial" panose="020B0604020202020204" pitchFamily="34" charset="0"/>
+            <a:cs typeface="Arial" panose="020B0604020202020204" pitchFamily="34" charset="0"/>
+          </a:endParaRPr>
+        </a:p>
+      </dgm:t>
+    </dgm:pt>
+    <dgm:pt modelId="{B8F5CF06-F6CB-4F9F-8167-4BC834D21E42}" type="parTrans" cxnId="{8AA49126-D119-475A-9703-FFAB86DBBCBA}">
+      <dgm:prSet/>
+      <dgm:spPr/>
+    </dgm:pt>
+    <dgm:pt modelId="{5EC476C7-692B-4AFA-B8B0-DE3455F0BE60}" type="sibTrans" cxnId="{8AA49126-D119-475A-9703-FFAB86DBBCBA}">
+      <dgm:prSet/>
+      <dgm:spPr/>
+    </dgm:pt>
+    <dgm:pt modelId="{DD7890BC-3C9C-4845-AC3A-DF202FE50EA6}">
+      <dgm:prSet phldrT="[Text]" custT="1"/>
+      <dgm:spPr/>
+      <dgm:t>
+        <a:bodyPr/>
+        <a:lstStyle/>
+        <a:p>
+          <a:endParaRPr lang="en-IN" sz="1000" dirty="0">
+            <a:latin typeface="Arial" panose="020B0604020202020204" pitchFamily="34" charset="0"/>
+            <a:cs typeface="Arial" panose="020B0604020202020204" pitchFamily="34" charset="0"/>
+          </a:endParaRPr>
+        </a:p>
+      </dgm:t>
+    </dgm:pt>
+    <dgm:pt modelId="{BE77A9DC-F1AB-4588-BB8F-728C2EDDF8AF}" type="parTrans" cxnId="{0BDC0F4C-D3AA-4702-B184-26AF2365F441}">
+      <dgm:prSet/>
+      <dgm:spPr/>
+    </dgm:pt>
+    <dgm:pt modelId="{FE010BEC-6216-4CB0-AEFB-1BB163045DB7}" type="sibTrans" cxnId="{0BDC0F4C-D3AA-4702-B184-26AF2365F441}">
+      <dgm:prSet/>
+      <dgm:spPr/>
     </dgm:pt>
     <dgm:pt modelId="{F5B9D149-C978-4B49-96EB-0FCA659CE8AA}" type="pres">
       <dgm:prSet presAssocID="{1EE3E3F3-E779-4207-8AD4-EC47E66F4E0B}" presName="Name0" presStyleCnt="0">
@@ -2060,57 +2077,59 @@
     </dgm:pt>
   </dgm:ptLst>
   <dgm:cxnLst>
-    <dgm:cxn modelId="{C44C8612-4BA0-4BC5-9EC7-9B1FFD4503A3}" type="presOf" srcId="{4164BAB1-127A-422E-86D7-C9D75BD8146F}" destId="{349C3BEF-92B6-4CF4-8669-02CABBF7D8D2}" srcOrd="0" destOrd="1" presId="urn:microsoft.com/office/officeart/2005/8/layout/process1"/>
+    <dgm:cxn modelId="{D944D585-9CAF-4251-B104-26FC566F14F7}" srcId="{1EE3E3F3-E779-4207-8AD4-EC47E66F4E0B}" destId="{64EC638D-B0C9-4C13-81B4-9D4208A520DC}" srcOrd="1" destOrd="0" parTransId="{5DBD6B74-D946-4BBE-8E06-BABCB1825907}" sibTransId="{45A4A0F2-3901-4EF2-AB80-BD7808744FAA}"/>
+    <dgm:cxn modelId="{8AA49126-D119-475A-9703-FFAB86DBBCBA}" srcId="{B8023BDF-7919-4DE9-9027-FFA4355A8BB6}" destId="{D3B88482-3AE4-41A6-B7D2-9CDCDA6B2769}" srcOrd="2" destOrd="0" parTransId="{B8F5CF06-F6CB-4F9F-8167-4BC834D21E42}" sibTransId="{5EC476C7-692B-4AFA-B8B0-DE3455F0BE60}"/>
+    <dgm:cxn modelId="{46F7AAF5-BA48-4958-AB06-6C7897083E7A}" type="presOf" srcId="{3E432599-70DE-43CA-BC36-A9A6823D2975}" destId="{FB408FAA-19DA-45B2-81BF-F22E8A12CE48}" srcOrd="0" destOrd="1" presId="urn:microsoft.com/office/officeart/2005/8/layout/process1"/>
+    <dgm:cxn modelId="{5A0B6BA0-9AE1-4B39-B92E-70EF6473F243}" type="presOf" srcId="{89E0079E-7D2F-4BFD-A574-F18BDCD3AA18}" destId="{349C3BEF-92B6-4CF4-8669-02CABBF7D8D2}" srcOrd="0" destOrd="2" presId="urn:microsoft.com/office/officeart/2005/8/layout/process1"/>
+    <dgm:cxn modelId="{1305AE44-FB7B-42A6-B198-872FC4BD2D65}" type="presOf" srcId="{452D8BBB-C80C-42CE-826C-0F1E280D1D40}" destId="{FB408FAA-19DA-45B2-81BF-F22E8A12CE48}" srcOrd="0" destOrd="0" presId="urn:microsoft.com/office/officeart/2005/8/layout/process1"/>
+    <dgm:cxn modelId="{738572F6-93F1-4578-935E-0C5482034635}" srcId="{1EE3E3F3-E779-4207-8AD4-EC47E66F4E0B}" destId="{452D8BBB-C80C-42CE-826C-0F1E280D1D40}" srcOrd="2" destOrd="0" parTransId="{670CCF8F-2ACA-4CD7-97F0-A9E207A5FFC4}" sibTransId="{58A5A5A1-584E-43E0-9280-9CEBBFC71BE9}"/>
+    <dgm:cxn modelId="{1BBEF02E-3C0A-4333-AF48-A68C8849431E}" srcId="{64EC638D-B0C9-4C13-81B4-9D4208A520DC}" destId="{5C2AB436-230C-46A9-92D6-D04CAF4B87C4}" srcOrd="2" destOrd="0" parTransId="{B7DC3809-3E79-4ADA-933E-4E455C93A71B}" sibTransId="{0AEB9C6B-31A5-43AB-9777-2D2A8D5632A3}"/>
+    <dgm:cxn modelId="{C1E98B1E-BB9E-4BAC-A840-D023EB8BB740}" type="presOf" srcId="{6D31BCB8-20FC-4B9F-9F9F-5FF786A0AC4C}" destId="{62A699FF-AAB3-4F17-A7B1-43BC44B82368}" srcOrd="0" destOrd="0" presId="urn:microsoft.com/office/officeart/2005/8/layout/process1"/>
+    <dgm:cxn modelId="{94B522D3-A0E9-4C37-BAA8-75610D72FDD5}" type="presOf" srcId="{AA9677D9-70AE-4256-AE16-76F5986B26FA}" destId="{0BA57FF7-C4BC-422A-82B6-F2BAF981D5E9}" srcOrd="0" destOrd="2" presId="urn:microsoft.com/office/officeart/2005/8/layout/process1"/>
+    <dgm:cxn modelId="{4D79F0C5-EA20-4490-A77E-1D5D2322D216}" type="presOf" srcId="{58A5A5A1-584E-43E0-9280-9CEBBFC71BE9}" destId="{B026CB59-CE08-4ABA-9F11-DF7005897C39}" srcOrd="0" destOrd="0" presId="urn:microsoft.com/office/officeart/2005/8/layout/process1"/>
+    <dgm:cxn modelId="{52D4FD8D-CFCD-427F-9182-C0F29266DEC6}" type="presOf" srcId="{7D40F78B-D2E5-4FD8-A4D7-5E91BA3B1FD2}" destId="{0BA57FF7-C4BC-422A-82B6-F2BAF981D5E9}" srcOrd="0" destOrd="0" presId="urn:microsoft.com/office/officeart/2005/8/layout/process1"/>
+    <dgm:cxn modelId="{3E829EA6-AE1F-4C67-9F9F-C3D5B2B26B53}" srcId="{E9C51202-AA51-45D9-B199-7F249EFEDDC0}" destId="{50B39F4C-8C7C-4837-A17E-C669E0DCF0A9}" srcOrd="1" destOrd="0" parTransId="{2B69F057-0D67-4F65-A44B-5BAB03613637}" sibTransId="{D8FD77CF-AA8A-468D-8C05-11EBBCEB272B}"/>
+    <dgm:cxn modelId="{F252E17E-518E-4C2B-B911-50661018F62D}" type="presOf" srcId="{219A648D-C48D-4A60-B0DF-D130947CBC48}" destId="{0BA57FF7-C4BC-422A-82B6-F2BAF981D5E9}" srcOrd="0" destOrd="3" presId="urn:microsoft.com/office/officeart/2005/8/layout/process1"/>
+    <dgm:cxn modelId="{258B295A-731E-4FDC-90D6-9FD242A503C4}" type="presOf" srcId="{D3B88482-3AE4-41A6-B7D2-9CDCDA6B2769}" destId="{CD93A553-5597-4370-9698-7D1C46AC476B}" srcOrd="0" destOrd="3" presId="urn:microsoft.com/office/officeart/2005/8/layout/process1"/>
     <dgm:cxn modelId="{2E4EB914-3B63-4699-A37A-1A182329EA4E}" type="presOf" srcId="{9C203325-BACB-49C4-9FD5-034640965934}" destId="{6D7DFD46-C56E-47E4-BC65-2A30D3D3A0D7}" srcOrd="1" destOrd="0" presId="urn:microsoft.com/office/officeart/2005/8/layout/process1"/>
-    <dgm:cxn modelId="{5A0B6BA0-9AE1-4B39-B92E-70EF6473F243}" type="presOf" srcId="{89E0079E-7D2F-4BFD-A574-F18BDCD3AA18}" destId="{349C3BEF-92B6-4CF4-8669-02CABBF7D8D2}" srcOrd="0" destOrd="2" presId="urn:microsoft.com/office/officeart/2005/8/layout/process1"/>
-    <dgm:cxn modelId="{CE04934D-F654-47F5-AC70-B4178AE5B496}" srcId="{7D40F78B-D2E5-4FD8-A4D7-5E91BA3B1FD2}" destId="{AA9677D9-70AE-4256-AE16-76F5986B26FA}" srcOrd="1" destOrd="0" parTransId="{32909508-8E1E-4684-83C0-AEFF177A78BA}" sibTransId="{C72DEEA5-2077-42A1-8413-93228EC4838B}"/>
-    <dgm:cxn modelId="{31233DAC-076C-40D1-98CE-79033976478F}" type="presOf" srcId="{436628E4-383C-40E7-840A-8E2D69D332F0}" destId="{CD93A553-5597-4370-9698-7D1C46AC476B}" srcOrd="0" destOrd="2" presId="urn:microsoft.com/office/officeart/2005/8/layout/process1"/>
-    <dgm:cxn modelId="{70D3DA6A-8DB3-4401-845C-83D1EE724474}" type="presOf" srcId="{1C68F978-5EFF-40ED-A74D-23C02B444C94}" destId="{CD93A553-5597-4370-9698-7D1C46AC476B}" srcOrd="0" destOrd="1" presId="urn:microsoft.com/office/officeart/2005/8/layout/process1"/>
-    <dgm:cxn modelId="{55A9A73C-A7AA-4C35-B8E3-223F4798E5EA}" srcId="{B8023BDF-7919-4DE9-9027-FFA4355A8BB6}" destId="{436628E4-383C-40E7-840A-8E2D69D332F0}" srcOrd="1" destOrd="0" parTransId="{D06079D2-07C1-41FE-AE53-32F6A930DB3A}" sibTransId="{A63DE944-1E1D-416C-AAB0-4F5DE72306F5}"/>
+    <dgm:cxn modelId="{FAE6BB48-7AFB-42EC-A063-52822357BA99}" type="presOf" srcId="{6D31BCB8-20FC-4B9F-9F9F-5FF786A0AC4C}" destId="{DAD5CAF4-6E11-469E-8429-C49B83157847}" srcOrd="1" destOrd="0" presId="urn:microsoft.com/office/officeart/2005/8/layout/process1"/>
+    <dgm:cxn modelId="{7E2A141C-0398-4209-8BBB-76E53E85E4C8}" srcId="{7D40F78B-D2E5-4FD8-A4D7-5E91BA3B1FD2}" destId="{2F2CF74E-E031-43AC-873F-55C0132B2C24}" srcOrd="6" destOrd="0" parTransId="{F3660920-1594-4D67-AFAB-ECDA0781426F}" sibTransId="{5993F1B6-F30E-468C-8720-B577B7CB83AF}"/>
+    <dgm:cxn modelId="{5917D4E5-7BAD-4D72-8798-CDEF366D012B}" srcId="{7D40F78B-D2E5-4FD8-A4D7-5E91BA3B1FD2}" destId="{219A648D-C48D-4A60-B0DF-D130947CBC48}" srcOrd="2" destOrd="0" parTransId="{913FEB35-F33A-4007-8100-2C405CC6C4B3}" sibTransId="{0F33D94C-8806-42AD-9EE1-EC6D116801B3}"/>
+    <dgm:cxn modelId="{45125F74-1696-4DC1-B770-57CBE3963799}" srcId="{1EE3E3F3-E779-4207-8AD4-EC47E66F4E0B}" destId="{B8023BDF-7919-4DE9-9027-FFA4355A8BB6}" srcOrd="4" destOrd="0" parTransId="{CF84634C-5B51-4CBB-8AC7-6F2A28314C50}" sibTransId="{369BEB50-3C70-446F-A07E-D3479825C530}"/>
+    <dgm:cxn modelId="{920F612F-7D3A-4655-B103-191CE5A29673}" srcId="{64EC638D-B0C9-4C13-81B4-9D4208A520DC}" destId="{4164BAB1-127A-422E-86D7-C9D75BD8146F}" srcOrd="0" destOrd="0" parTransId="{902668E6-EDFD-4FF9-86D6-A2076F107441}" sibTransId="{DA035DE9-E436-4D99-9774-16F40E4C19A1}"/>
+    <dgm:cxn modelId="{D4E26B37-D940-4E47-8160-3F4C4E8C9C4D}" srcId="{452D8BBB-C80C-42CE-826C-0F1E280D1D40}" destId="{3E432599-70DE-43CA-BC36-A9A6823D2975}" srcOrd="0" destOrd="0" parTransId="{09701C12-D3A4-4AB9-94F2-23C989CCE24B}" sibTransId="{C933AAF5-7E54-4E7E-8D91-DF91ECDA2787}"/>
+    <dgm:cxn modelId="{248F1129-1C21-4A05-8BF1-60789BCEAE5F}" type="presOf" srcId="{1E5BBF1F-F675-4545-AE87-828C42C36211}" destId="{E75574D3-0CEB-4490-A6AE-118DD65E4809}" srcOrd="0" destOrd="3" presId="urn:microsoft.com/office/officeart/2005/8/layout/process1"/>
+    <dgm:cxn modelId="{9F6EA469-7DB1-43BB-B4A7-934CFDBD3AF4}" type="presOf" srcId="{D02E7EF2-2FB0-43BF-80AD-FBC08561DEBB}" destId="{0BA57FF7-C4BC-422A-82B6-F2BAF981D5E9}" srcOrd="0" destOrd="4" presId="urn:microsoft.com/office/officeart/2005/8/layout/process1"/>
+    <dgm:cxn modelId="{4D911DC5-C4DA-4597-A2FE-14F2537E1B74}" type="presOf" srcId="{407B953B-402D-418D-926D-42E6030FD4BF}" destId="{0BA57FF7-C4BC-422A-82B6-F2BAF981D5E9}" srcOrd="0" destOrd="6" presId="urn:microsoft.com/office/officeart/2005/8/layout/process1"/>
     <dgm:cxn modelId="{4A5ACB0D-F9D6-4DF5-A85D-8B8A3626987F}" srcId="{E9C51202-AA51-45D9-B199-7F249EFEDDC0}" destId="{FFF487D4-014C-46C2-AA69-0EC06E24EC9F}" srcOrd="0" destOrd="0" parTransId="{18EE0664-8145-4B32-8EF6-72CF53F43F46}" sibTransId="{332C794E-F4ED-47DA-BD6A-930BAAC25387}"/>
-    <dgm:cxn modelId="{564FB3B8-3510-4543-B2DC-87420E466B5F}" srcId="{7D40F78B-D2E5-4FD8-A4D7-5E91BA3B1FD2}" destId="{D02E7EF2-2FB0-43BF-80AD-FBC08561DEBB}" srcOrd="3" destOrd="0" parTransId="{90CAE0DB-94A9-4FBF-B209-6E1A3EF394E4}" sibTransId="{409CB377-E59E-415C-83BA-BDA944604F3E}"/>
+    <dgm:cxn modelId="{13A47125-1FAC-46AB-88F7-3B245A906B4F}" type="presOf" srcId="{45A4A0F2-3901-4EF2-AB80-BD7808744FAA}" destId="{29C601B2-715E-41B8-B0CA-181A5C900C98}" srcOrd="1" destOrd="0" presId="urn:microsoft.com/office/officeart/2005/8/layout/process1"/>
+    <dgm:cxn modelId="{F4660FC0-27BA-45F0-AB83-8DA18BDE8B64}" type="presOf" srcId="{5C2AB436-230C-46A9-92D6-D04CAF4B87C4}" destId="{349C3BEF-92B6-4CF4-8669-02CABBF7D8D2}" srcOrd="0" destOrd="3" presId="urn:microsoft.com/office/officeart/2005/8/layout/process1"/>
+    <dgm:cxn modelId="{0BDC0F4C-D3AA-4702-B184-26AF2365F441}" srcId="{B8023BDF-7919-4DE9-9027-FFA4355A8BB6}" destId="{DD7890BC-3C9C-4845-AC3A-DF202FE50EA6}" srcOrd="1" destOrd="0" parTransId="{BE77A9DC-F1AB-4588-BB8F-728C2EDDF8AF}" sibTransId="{FE010BEC-6216-4CB0-AEFB-1BB163045DB7}"/>
+    <dgm:cxn modelId="{7543C5C2-CFB2-42B3-870B-9E8DA9FC56F4}" srcId="{7D40F78B-D2E5-4FD8-A4D7-5E91BA3B1FD2}" destId="{3DD4A29D-86F5-4A68-AC5E-D8E0526E74F1}" srcOrd="4" destOrd="0" parTransId="{00892510-11DF-4F82-BF34-35AEE96A0FB2}" sibTransId="{168858C5-832D-4001-BAE1-878D63E14E83}"/>
     <dgm:cxn modelId="{5E301BEB-A758-42E4-A10A-44322911A4F9}" srcId="{7D40F78B-D2E5-4FD8-A4D7-5E91BA3B1FD2}" destId="{672D332E-E60E-4E1A-BAF2-87B49EFC2E92}" srcOrd="0" destOrd="0" parTransId="{C5B2897C-E811-4E38-AD8A-9C2E7C0A055F}" sibTransId="{5203B087-F6A1-47D1-BF50-56F0C33AC7B1}"/>
-    <dgm:cxn modelId="{3E829EA6-AE1F-4C67-9F9F-C3D5B2B26B53}" srcId="{E9C51202-AA51-45D9-B199-7F249EFEDDC0}" destId="{50B39F4C-8C7C-4837-A17E-C669E0DCF0A9}" srcOrd="1" destOrd="0" parTransId="{2B69F057-0D67-4F65-A44B-5BAB03613637}" sibTransId="{D8FD77CF-AA8A-468D-8C05-11EBBCEB272B}"/>
-    <dgm:cxn modelId="{D944D585-9CAF-4251-B104-26FC566F14F7}" srcId="{1EE3E3F3-E779-4207-8AD4-EC47E66F4E0B}" destId="{64EC638D-B0C9-4C13-81B4-9D4208A520DC}" srcOrd="1" destOrd="0" parTransId="{5DBD6B74-D946-4BBE-8E06-BABCB1825907}" sibTransId="{45A4A0F2-3901-4EF2-AB80-BD7808744FAA}"/>
-    <dgm:cxn modelId="{1305AE44-FB7B-42A6-B198-872FC4BD2D65}" type="presOf" srcId="{452D8BBB-C80C-42CE-826C-0F1E280D1D40}" destId="{FB408FAA-19DA-45B2-81BF-F22E8A12CE48}" srcOrd="0" destOrd="0" presId="urn:microsoft.com/office/officeart/2005/8/layout/process1"/>
-    <dgm:cxn modelId="{4361AD10-F232-427B-A35D-CAD6AC219033}" type="presOf" srcId="{B8023BDF-7919-4DE9-9027-FFA4355A8BB6}" destId="{CD93A553-5597-4370-9698-7D1C46AC476B}" srcOrd="0" destOrd="0" presId="urn:microsoft.com/office/officeart/2005/8/layout/process1"/>
-    <dgm:cxn modelId="{52BDA2F6-3BBA-4A14-9524-A2E17835EC5E}" type="presOf" srcId="{50B39F4C-8C7C-4837-A17E-C669E0DCF0A9}" destId="{E75574D3-0CEB-4490-A6AE-118DD65E4809}" srcOrd="0" destOrd="2" presId="urn:microsoft.com/office/officeart/2005/8/layout/process1"/>
-    <dgm:cxn modelId="{C93D8B82-8D6F-4CA4-8D38-C646B378543A}" srcId="{B8023BDF-7919-4DE9-9027-FFA4355A8BB6}" destId="{1C68F978-5EFF-40ED-A74D-23C02B444C94}" srcOrd="0" destOrd="0" parTransId="{07E52E52-7518-4C3D-B7D9-FA635629892E}" sibTransId="{AEC9C846-FF64-4E83-AA44-730F70A2B468}"/>
-    <dgm:cxn modelId="{5917D4E5-7BAD-4D72-8798-CDEF366D012B}" srcId="{7D40F78B-D2E5-4FD8-A4D7-5E91BA3B1FD2}" destId="{219A648D-C48D-4A60-B0DF-D130947CBC48}" srcOrd="2" destOrd="0" parTransId="{913FEB35-F33A-4007-8100-2C405CC6C4B3}" sibTransId="{0F33D94C-8806-42AD-9EE1-EC6D116801B3}"/>
-    <dgm:cxn modelId="{2809A617-FF4A-4025-8948-6690DA1C2D85}" type="presOf" srcId="{9C203325-BACB-49C4-9FD5-034640965934}" destId="{C58A6D37-50B3-49AE-958A-7F407B052640}" srcOrd="0" destOrd="0" presId="urn:microsoft.com/office/officeart/2005/8/layout/process1"/>
-    <dgm:cxn modelId="{9F6EA469-7DB1-43BB-B4A7-934CFDBD3AF4}" type="presOf" srcId="{D02E7EF2-2FB0-43BF-80AD-FBC08561DEBB}" destId="{0BA57FF7-C4BC-422A-82B6-F2BAF981D5E9}" srcOrd="0" destOrd="4" presId="urn:microsoft.com/office/officeart/2005/8/layout/process1"/>
-    <dgm:cxn modelId="{7543C5C2-CFB2-42B3-870B-9E8DA9FC56F4}" srcId="{7D40F78B-D2E5-4FD8-A4D7-5E91BA3B1FD2}" destId="{3DD4A29D-86F5-4A68-AC5E-D8E0526E74F1}" srcOrd="4" destOrd="0" parTransId="{00892510-11DF-4F82-BF34-35AEE96A0FB2}" sibTransId="{168858C5-832D-4001-BAE1-878D63E14E83}"/>
-    <dgm:cxn modelId="{46F7AAF5-BA48-4958-AB06-6C7897083E7A}" type="presOf" srcId="{3E432599-70DE-43CA-BC36-A9A6823D2975}" destId="{FB408FAA-19DA-45B2-81BF-F22E8A12CE48}" srcOrd="0" destOrd="1" presId="urn:microsoft.com/office/officeart/2005/8/layout/process1"/>
-    <dgm:cxn modelId="{C1E98B1E-BB9E-4BAC-A840-D023EB8BB740}" type="presOf" srcId="{6D31BCB8-20FC-4B9F-9F9F-5FF786A0AC4C}" destId="{62A699FF-AAB3-4F17-A7B1-43BC44B82368}" srcOrd="0" destOrd="0" presId="urn:microsoft.com/office/officeart/2005/8/layout/process1"/>
-    <dgm:cxn modelId="{45125F74-1696-4DC1-B770-57CBE3963799}" srcId="{1EE3E3F3-E779-4207-8AD4-EC47E66F4E0B}" destId="{B8023BDF-7919-4DE9-9027-FFA4355A8BB6}" srcOrd="4" destOrd="0" parTransId="{CF84634C-5B51-4CBB-8AC7-6F2A28314C50}" sibTransId="{369BEB50-3C70-446F-A07E-D3479825C530}"/>
-    <dgm:cxn modelId="{393DA467-F2E5-46F1-8B10-7332C91F7B16}" type="presOf" srcId="{58A5A5A1-584E-43E0-9280-9CEBBFC71BE9}" destId="{B9825052-F932-44D1-B73D-FDD638EC0E65}" srcOrd="1" destOrd="0" presId="urn:microsoft.com/office/officeart/2005/8/layout/process1"/>
-    <dgm:cxn modelId="{4D911DC5-C4DA-4597-A2FE-14F2537E1B74}" type="presOf" srcId="{407B953B-402D-418D-926D-42E6030FD4BF}" destId="{0BA57FF7-C4BC-422A-82B6-F2BAF981D5E9}" srcOrd="0" destOrd="6" presId="urn:microsoft.com/office/officeart/2005/8/layout/process1"/>
-    <dgm:cxn modelId="{A1483D68-BAF1-423E-8DE6-4F4671B9945F}" type="presOf" srcId="{3DD4A29D-86F5-4A68-AC5E-D8E0526E74F1}" destId="{0BA57FF7-C4BC-422A-82B6-F2BAF981D5E9}" srcOrd="0" destOrd="5" presId="urn:microsoft.com/office/officeart/2005/8/layout/process1"/>
-    <dgm:cxn modelId="{4D79F0C5-EA20-4490-A77E-1D5D2322D216}" type="presOf" srcId="{58A5A5A1-584E-43E0-9280-9CEBBFC71BE9}" destId="{B026CB59-CE08-4ABA-9F11-DF7005897C39}" srcOrd="0" destOrd="0" presId="urn:microsoft.com/office/officeart/2005/8/layout/process1"/>
-    <dgm:cxn modelId="{EA6C4E36-9874-47E0-B39C-30D3DEC8EA21}" srcId="{7D40F78B-D2E5-4FD8-A4D7-5E91BA3B1FD2}" destId="{407B953B-402D-418D-926D-42E6030FD4BF}" srcOrd="5" destOrd="0" parTransId="{FFCD7F9E-0704-4FEF-BF75-77F4333A9221}" sibTransId="{B51074CE-BAE0-4450-BE20-DB02827B4087}"/>
-    <dgm:cxn modelId="{F252E17E-518E-4C2B-B911-50661018F62D}" type="presOf" srcId="{219A648D-C48D-4A60-B0DF-D130947CBC48}" destId="{0BA57FF7-C4BC-422A-82B6-F2BAF981D5E9}" srcOrd="0" destOrd="3" presId="urn:microsoft.com/office/officeart/2005/8/layout/process1"/>
     <dgm:cxn modelId="{DF6C34A1-CDB2-4F97-A4CE-BE69249C12EE}" srcId="{E9C51202-AA51-45D9-B199-7F249EFEDDC0}" destId="{1E5BBF1F-F675-4545-AE87-828C42C36211}" srcOrd="2" destOrd="0" parTransId="{4163A063-AC8B-4DEB-97E2-C95E742FC46F}" sibTransId="{3C75BB49-D224-4A81-A322-61AA0E65639B}"/>
     <dgm:cxn modelId="{CBEF500C-297D-4827-BD2B-A936FE3827D8}" type="presOf" srcId="{FFF487D4-014C-46C2-AA69-0EC06E24EC9F}" destId="{E75574D3-0CEB-4490-A6AE-118DD65E4809}" srcOrd="0" destOrd="1" presId="urn:microsoft.com/office/officeart/2005/8/layout/process1"/>
-    <dgm:cxn modelId="{D4E26B37-D940-4E47-8160-3F4C4E8C9C4D}" srcId="{452D8BBB-C80C-42CE-826C-0F1E280D1D40}" destId="{3E432599-70DE-43CA-BC36-A9A6823D2975}" srcOrd="0" destOrd="0" parTransId="{09701C12-D3A4-4AB9-94F2-23C989CCE24B}" sibTransId="{C933AAF5-7E54-4E7E-8D91-DF91ECDA2787}"/>
-    <dgm:cxn modelId="{920F612F-7D3A-4655-B103-191CE5A29673}" srcId="{64EC638D-B0C9-4C13-81B4-9D4208A520DC}" destId="{4164BAB1-127A-422E-86D7-C9D75BD8146F}" srcOrd="0" destOrd="0" parTransId="{902668E6-EDFD-4FF9-86D6-A2076F107441}" sibTransId="{DA035DE9-E436-4D99-9774-16F40E4C19A1}"/>
-    <dgm:cxn modelId="{FAE6BB48-7AFB-42EC-A063-52822357BA99}" type="presOf" srcId="{6D31BCB8-20FC-4B9F-9F9F-5FF786A0AC4C}" destId="{DAD5CAF4-6E11-469E-8429-C49B83157847}" srcOrd="1" destOrd="0" presId="urn:microsoft.com/office/officeart/2005/8/layout/process1"/>
+    <dgm:cxn modelId="{52BDA2F6-3BBA-4A14-9524-A2E17835EC5E}" type="presOf" srcId="{50B39F4C-8C7C-4837-A17E-C669E0DCF0A9}" destId="{E75574D3-0CEB-4490-A6AE-118DD65E4809}" srcOrd="0" destOrd="2" presId="urn:microsoft.com/office/officeart/2005/8/layout/process1"/>
+    <dgm:cxn modelId="{CE04934D-F654-47F5-AC70-B4178AE5B496}" srcId="{7D40F78B-D2E5-4FD8-A4D7-5E91BA3B1FD2}" destId="{AA9677D9-70AE-4256-AE16-76F5986B26FA}" srcOrd="1" destOrd="0" parTransId="{32909508-8E1E-4684-83C0-AEFF177A78BA}" sibTransId="{C72DEEA5-2077-42A1-8413-93228EC4838B}"/>
+    <dgm:cxn modelId="{564FB3B8-3510-4543-B2DC-87420E466B5F}" srcId="{7D40F78B-D2E5-4FD8-A4D7-5E91BA3B1FD2}" destId="{D02E7EF2-2FB0-43BF-80AD-FBC08561DEBB}" srcOrd="3" destOrd="0" parTransId="{90CAE0DB-94A9-4FBF-B209-6E1A3EF394E4}" sibTransId="{409CB377-E59E-415C-83BA-BDA944604F3E}"/>
     <dgm:cxn modelId="{C61FB0D6-FEA7-4D77-B991-B997C1B56D1B}" type="presOf" srcId="{E9C51202-AA51-45D9-B199-7F249EFEDDC0}" destId="{E75574D3-0CEB-4490-A6AE-118DD65E4809}" srcOrd="0" destOrd="0" presId="urn:microsoft.com/office/officeart/2005/8/layout/process1"/>
+    <dgm:cxn modelId="{A56144BB-AD51-4EC6-81F8-44F9167CE84E}" type="presOf" srcId="{1EE3E3F3-E779-4207-8AD4-EC47E66F4E0B}" destId="{F5B9D149-C978-4B49-96EB-0FCA659CE8AA}" srcOrd="0" destOrd="0" presId="urn:microsoft.com/office/officeart/2005/8/layout/process1"/>
+    <dgm:cxn modelId="{6AEB639E-20CC-4D63-A610-677A6F37E1CF}" type="presOf" srcId="{64EC638D-B0C9-4C13-81B4-9D4208A520DC}" destId="{349C3BEF-92B6-4CF4-8669-02CABBF7D8D2}" srcOrd="0" destOrd="0" presId="urn:microsoft.com/office/officeart/2005/8/layout/process1"/>
+    <dgm:cxn modelId="{EA6C4E36-9874-47E0-B39C-30D3DEC8EA21}" srcId="{7D40F78B-D2E5-4FD8-A4D7-5E91BA3B1FD2}" destId="{407B953B-402D-418D-926D-42E6030FD4BF}" srcOrd="5" destOrd="0" parTransId="{FFCD7F9E-0704-4FEF-BF75-77F4333A9221}" sibTransId="{B51074CE-BAE0-4450-BE20-DB02827B4087}"/>
+    <dgm:cxn modelId="{C44C8612-4BA0-4BC5-9EC7-9B1FFD4503A3}" type="presOf" srcId="{4164BAB1-127A-422E-86D7-C9D75BD8146F}" destId="{349C3BEF-92B6-4CF4-8669-02CABBF7D8D2}" srcOrd="0" destOrd="1" presId="urn:microsoft.com/office/officeart/2005/8/layout/process1"/>
+    <dgm:cxn modelId="{18871417-F946-4DB2-AECE-FBCB7C86F5A5}" srcId="{64EC638D-B0C9-4C13-81B4-9D4208A520DC}" destId="{89E0079E-7D2F-4BFD-A574-F18BDCD3AA18}" srcOrd="1" destOrd="0" parTransId="{FC7084AB-DC6A-4852-8E70-EF89734FD55B}" sibTransId="{41A9C48F-DE06-427A-A988-78EC5461E201}"/>
+    <dgm:cxn modelId="{C93D8B82-8D6F-4CA4-8D38-C646B378543A}" srcId="{B8023BDF-7919-4DE9-9027-FFA4355A8BB6}" destId="{1C68F978-5EFF-40ED-A74D-23C02B444C94}" srcOrd="0" destOrd="0" parTransId="{07E52E52-7518-4C3D-B7D9-FA635629892E}" sibTransId="{AEC9C846-FF64-4E83-AA44-730F70A2B468}"/>
+    <dgm:cxn modelId="{139FF8A9-67CF-4115-A1FC-7F7B258DA1F8}" type="presOf" srcId="{672D332E-E60E-4E1A-BAF2-87B49EFC2E92}" destId="{0BA57FF7-C4BC-422A-82B6-F2BAF981D5E9}" srcOrd="0" destOrd="1" presId="urn:microsoft.com/office/officeart/2005/8/layout/process1"/>
+    <dgm:cxn modelId="{4361AD10-F232-427B-A35D-CAD6AC219033}" type="presOf" srcId="{B8023BDF-7919-4DE9-9027-FFA4355A8BB6}" destId="{CD93A553-5597-4370-9698-7D1C46AC476B}" srcOrd="0" destOrd="0" presId="urn:microsoft.com/office/officeart/2005/8/layout/process1"/>
+    <dgm:cxn modelId="{E2E6ED45-2569-4A34-A9C0-E19967616B64}" srcId="{1EE3E3F3-E779-4207-8AD4-EC47E66F4E0B}" destId="{7D40F78B-D2E5-4FD8-A4D7-5E91BA3B1FD2}" srcOrd="3" destOrd="0" parTransId="{20EAF09B-6AB5-444A-93EB-C09126BFC3C1}" sibTransId="{6D31BCB8-20FC-4B9F-9F9F-5FF786A0AC4C}"/>
+    <dgm:cxn modelId="{7D0ABABD-B5DE-42DD-B899-FD3A531F7509}" type="presOf" srcId="{DD7890BC-3C9C-4845-AC3A-DF202FE50EA6}" destId="{CD93A553-5597-4370-9698-7D1C46AC476B}" srcOrd="0" destOrd="2" presId="urn:microsoft.com/office/officeart/2005/8/layout/process1"/>
+    <dgm:cxn modelId="{559B7F44-DD01-4189-BC46-505B89D9E880}" type="presOf" srcId="{45A4A0F2-3901-4EF2-AB80-BD7808744FAA}" destId="{BB30BB91-5B9D-418A-BB6C-5FF8EE7D63E8}" srcOrd="0" destOrd="0" presId="urn:microsoft.com/office/officeart/2005/8/layout/process1"/>
+    <dgm:cxn modelId="{285FAD66-6618-410E-AC6C-D1F927558EDD}" srcId="{1EE3E3F3-E779-4207-8AD4-EC47E66F4E0B}" destId="{E9C51202-AA51-45D9-B199-7F249EFEDDC0}" srcOrd="0" destOrd="0" parTransId="{0228D889-8EFA-45EE-BDCA-9CF73556EA36}" sibTransId="{9C203325-BACB-49C4-9FD5-034640965934}"/>
+    <dgm:cxn modelId="{2809A617-FF4A-4025-8948-6690DA1C2D85}" type="presOf" srcId="{9C203325-BACB-49C4-9FD5-034640965934}" destId="{C58A6D37-50B3-49AE-958A-7F407B052640}" srcOrd="0" destOrd="0" presId="urn:microsoft.com/office/officeart/2005/8/layout/process1"/>
+    <dgm:cxn modelId="{393DA467-F2E5-46F1-8B10-7332C91F7B16}" type="presOf" srcId="{58A5A5A1-584E-43E0-9280-9CEBBFC71BE9}" destId="{B9825052-F932-44D1-B73D-FDD638EC0E65}" srcOrd="1" destOrd="0" presId="urn:microsoft.com/office/officeart/2005/8/layout/process1"/>
+    <dgm:cxn modelId="{70D3DA6A-8DB3-4401-845C-83D1EE724474}" type="presOf" srcId="{1C68F978-5EFF-40ED-A74D-23C02B444C94}" destId="{CD93A553-5597-4370-9698-7D1C46AC476B}" srcOrd="0" destOrd="1" presId="urn:microsoft.com/office/officeart/2005/8/layout/process1"/>
     <dgm:cxn modelId="{56D24092-D46B-4D8D-AB26-047C7463A2DF}" type="presOf" srcId="{2F2CF74E-E031-43AC-873F-55C0132B2C24}" destId="{0BA57FF7-C4BC-422A-82B6-F2BAF981D5E9}" srcOrd="0" destOrd="7" presId="urn:microsoft.com/office/officeart/2005/8/layout/process1"/>
-    <dgm:cxn modelId="{559B7F44-DD01-4189-BC46-505B89D9E880}" type="presOf" srcId="{45A4A0F2-3901-4EF2-AB80-BD7808744FAA}" destId="{BB30BB91-5B9D-418A-BB6C-5FF8EE7D63E8}" srcOrd="0" destOrd="0" presId="urn:microsoft.com/office/officeart/2005/8/layout/process1"/>
-    <dgm:cxn modelId="{248F1129-1C21-4A05-8BF1-60789BCEAE5F}" type="presOf" srcId="{1E5BBF1F-F675-4545-AE87-828C42C36211}" destId="{E75574D3-0CEB-4490-A6AE-118DD65E4809}" srcOrd="0" destOrd="3" presId="urn:microsoft.com/office/officeart/2005/8/layout/process1"/>
-    <dgm:cxn modelId="{13A47125-1FAC-46AB-88F7-3B245A906B4F}" type="presOf" srcId="{45A4A0F2-3901-4EF2-AB80-BD7808744FAA}" destId="{29C601B2-715E-41B8-B0CA-181A5C900C98}" srcOrd="1" destOrd="0" presId="urn:microsoft.com/office/officeart/2005/8/layout/process1"/>
-    <dgm:cxn modelId="{94B522D3-A0E9-4C37-BAA8-75610D72FDD5}" type="presOf" srcId="{AA9677D9-70AE-4256-AE16-76F5986B26FA}" destId="{0BA57FF7-C4BC-422A-82B6-F2BAF981D5E9}" srcOrd="0" destOrd="2" presId="urn:microsoft.com/office/officeart/2005/8/layout/process1"/>
-    <dgm:cxn modelId="{A56144BB-AD51-4EC6-81F8-44F9167CE84E}" type="presOf" srcId="{1EE3E3F3-E779-4207-8AD4-EC47E66F4E0B}" destId="{F5B9D149-C978-4B49-96EB-0FCA659CE8AA}" srcOrd="0" destOrd="0" presId="urn:microsoft.com/office/officeart/2005/8/layout/process1"/>
-    <dgm:cxn modelId="{1BBEF02E-3C0A-4333-AF48-A68C8849431E}" srcId="{64EC638D-B0C9-4C13-81B4-9D4208A520DC}" destId="{5C2AB436-230C-46A9-92D6-D04CAF4B87C4}" srcOrd="2" destOrd="0" parTransId="{B7DC3809-3E79-4ADA-933E-4E455C93A71B}" sibTransId="{0AEB9C6B-31A5-43AB-9777-2D2A8D5632A3}"/>
-    <dgm:cxn modelId="{18871417-F946-4DB2-AECE-FBCB7C86F5A5}" srcId="{64EC638D-B0C9-4C13-81B4-9D4208A520DC}" destId="{89E0079E-7D2F-4BFD-A574-F18BDCD3AA18}" srcOrd="1" destOrd="0" parTransId="{FC7084AB-DC6A-4852-8E70-EF89734FD55B}" sibTransId="{41A9C48F-DE06-427A-A988-78EC5461E201}"/>
-    <dgm:cxn modelId="{7E2A141C-0398-4209-8BBB-76E53E85E4C8}" srcId="{7D40F78B-D2E5-4FD8-A4D7-5E91BA3B1FD2}" destId="{2F2CF74E-E031-43AC-873F-55C0132B2C24}" srcOrd="6" destOrd="0" parTransId="{F3660920-1594-4D67-AFAB-ECDA0781426F}" sibTransId="{5993F1B6-F30E-468C-8720-B577B7CB83AF}"/>
-    <dgm:cxn modelId="{E2E6ED45-2569-4A34-A9C0-E19967616B64}" srcId="{1EE3E3F3-E779-4207-8AD4-EC47E66F4E0B}" destId="{7D40F78B-D2E5-4FD8-A4D7-5E91BA3B1FD2}" srcOrd="3" destOrd="0" parTransId="{20EAF09B-6AB5-444A-93EB-C09126BFC3C1}" sibTransId="{6D31BCB8-20FC-4B9F-9F9F-5FF786A0AC4C}"/>
-    <dgm:cxn modelId="{52D4FD8D-CFCD-427F-9182-C0F29266DEC6}" type="presOf" srcId="{7D40F78B-D2E5-4FD8-A4D7-5E91BA3B1FD2}" destId="{0BA57FF7-C4BC-422A-82B6-F2BAF981D5E9}" srcOrd="0" destOrd="0" presId="urn:microsoft.com/office/officeart/2005/8/layout/process1"/>
-    <dgm:cxn modelId="{6AEB639E-20CC-4D63-A610-677A6F37E1CF}" type="presOf" srcId="{64EC638D-B0C9-4C13-81B4-9D4208A520DC}" destId="{349C3BEF-92B6-4CF4-8669-02CABBF7D8D2}" srcOrd="0" destOrd="0" presId="urn:microsoft.com/office/officeart/2005/8/layout/process1"/>
-    <dgm:cxn modelId="{F4660FC0-27BA-45F0-AB83-8DA18BDE8B64}" type="presOf" srcId="{5C2AB436-230C-46A9-92D6-D04CAF4B87C4}" destId="{349C3BEF-92B6-4CF4-8669-02CABBF7D8D2}" srcOrd="0" destOrd="3" presId="urn:microsoft.com/office/officeart/2005/8/layout/process1"/>
-    <dgm:cxn modelId="{738572F6-93F1-4578-935E-0C5482034635}" srcId="{1EE3E3F3-E779-4207-8AD4-EC47E66F4E0B}" destId="{452D8BBB-C80C-42CE-826C-0F1E280D1D40}" srcOrd="2" destOrd="0" parTransId="{670CCF8F-2ACA-4CD7-97F0-A9E207A5FFC4}" sibTransId="{58A5A5A1-584E-43E0-9280-9CEBBFC71BE9}"/>
-    <dgm:cxn modelId="{285FAD66-6618-410E-AC6C-D1F927558EDD}" srcId="{1EE3E3F3-E779-4207-8AD4-EC47E66F4E0B}" destId="{E9C51202-AA51-45D9-B199-7F249EFEDDC0}" srcOrd="0" destOrd="0" parTransId="{0228D889-8EFA-45EE-BDCA-9CF73556EA36}" sibTransId="{9C203325-BACB-49C4-9FD5-034640965934}"/>
-    <dgm:cxn modelId="{139FF8A9-67CF-4115-A1FC-7F7B258DA1F8}" type="presOf" srcId="{672D332E-E60E-4E1A-BAF2-87B49EFC2E92}" destId="{0BA57FF7-C4BC-422A-82B6-F2BAF981D5E9}" srcOrd="0" destOrd="1" presId="urn:microsoft.com/office/officeart/2005/8/layout/process1"/>
+    <dgm:cxn modelId="{A1483D68-BAF1-423E-8DE6-4F4671B9945F}" type="presOf" srcId="{3DD4A29D-86F5-4A68-AC5E-D8E0526E74F1}" destId="{0BA57FF7-C4BC-422A-82B6-F2BAF981D5E9}" srcOrd="0" destOrd="5" presId="urn:microsoft.com/office/officeart/2005/8/layout/process1"/>
     <dgm:cxn modelId="{FBAB6334-4443-4DC5-8A74-A2FD241DFEAC}" type="presParOf" srcId="{F5B9D149-C978-4B49-96EB-0FCA659CE8AA}" destId="{E75574D3-0CEB-4490-A6AE-118DD65E4809}" srcOrd="0" destOrd="0" presId="urn:microsoft.com/office/officeart/2005/8/layout/process1"/>
     <dgm:cxn modelId="{F5C9AB58-BD9A-4D09-BFB9-0741451EA3A5}" type="presParOf" srcId="{F5B9D149-C978-4B49-96EB-0FCA659CE8AA}" destId="{C58A6D37-50B3-49AE-958A-7F407B052640}" srcOrd="1" destOrd="0" presId="urn:microsoft.com/office/officeart/2005/8/layout/process1"/>
     <dgm:cxn modelId="{4FB1DA3B-FF11-4D24-9BE6-12F186CA81BF}" type="presParOf" srcId="{C58A6D37-50B3-49AE-958A-7F407B052640}" destId="{6D7DFD46-C56E-47E4-BC65-2A30D3D3A0D7}" srcOrd="0" destOrd="0" presId="urn:microsoft.com/office/officeart/2005/8/layout/process1"/>
@@ -2129,14 +2148,14 @@
   <dgm:whole/>
   <dgm:extLst>
     <a:ext uri="http://schemas.microsoft.com/office/drawing/2008/diagram">
-      <dsp:dataModelExt xmlns:dsp="http://schemas.microsoft.com/office/drawing/2008/diagram" xmlns="" relId="rId6" minVer="http://schemas.openxmlformats.org/drawingml/2006/diagram"/>
+      <dsp:dataModelExt xmlns:dsp="http://schemas.microsoft.com/office/drawing/2008/diagram" relId="rId6" minVer="http://schemas.openxmlformats.org/drawingml/2006/diagram"/>
     </a:ext>
   </dgm:extLst>
 </dgm:dataModel>
 </file>
 
 <file path=ppt/diagrams/drawing1.xml><?xml version="1.0" encoding="utf-8"?>
-<dsp:drawing xmlns:dgm="http://schemas.openxmlformats.org/drawingml/2006/diagram" xmlns:a="http://schemas.openxmlformats.org/drawingml/2006/main" xmlns:dsp="http://schemas.microsoft.com/office/drawing/2008/diagram">
+<dsp:drawing xmlns:dgm="http://schemas.openxmlformats.org/drawingml/2006/diagram" xmlns:dsp="http://schemas.microsoft.com/office/drawing/2008/diagram" xmlns:a="http://schemas.openxmlformats.org/drawingml/2006/main">
   <dsp:spTree>
     <dsp:nvGrpSpPr>
       <dsp:cNvPr id="0" name=""/>
@@ -2342,8 +2361,8 @@
         </a:p>
       </dsp:txBody>
       <dsp:txXfrm>
-        <a:off x="1179" y="963060"/>
-        <a:ext cx="1671659" cy="3259833"/>
+        <a:off x="50140" y="1012021"/>
+        <a:ext cx="1573737" cy="3161911"/>
       </dsp:txXfrm>
     </dsp:sp>
     <dsp:sp modelId="{C58A6D37-50B3-49AE-958A-7F407B052640}">
@@ -2414,8 +2433,8 @@
         </a:p>
       </dsp:txBody>
       <dsp:txXfrm>
-        <a:off x="1840005" y="2385691"/>
-        <a:ext cx="354391" cy="414571"/>
+        <a:off x="1840005" y="2468605"/>
+        <a:ext cx="248074" cy="248743"/>
       </dsp:txXfrm>
     </dsp:sp>
     <dsp:sp modelId="{349C3BEF-92B6-4CF4-8669-02CABBF7D8D2}">
@@ -2586,8 +2605,8 @@
         </a:p>
       </dsp:txBody>
       <dsp:txXfrm>
-        <a:off x="2341503" y="910766"/>
-        <a:ext cx="1671659" cy="3364421"/>
+        <a:off x="2390464" y="959727"/>
+        <a:ext cx="1573737" cy="3266499"/>
       </dsp:txXfrm>
     </dsp:sp>
     <dsp:sp modelId="{BB30BB91-5B9D-418A-BB6C-5FF8EE7D63E8}">
@@ -2658,8 +2677,8 @@
         </a:p>
       </dsp:txBody>
       <dsp:txXfrm>
-        <a:off x="4180329" y="2385691"/>
-        <a:ext cx="354391" cy="414571"/>
+        <a:off x="4180329" y="2468605"/>
+        <a:ext cx="248074" cy="248743"/>
       </dsp:txXfrm>
     </dsp:sp>
     <dsp:sp modelId="{FB408FAA-19DA-45B2-81BF-F22E8A12CE48}">
@@ -2761,8 +2780,8 @@
         </a:p>
       </dsp:txBody>
       <dsp:txXfrm>
-        <a:off x="4681827" y="917337"/>
-        <a:ext cx="1715825" cy="3351278"/>
+        <a:off x="4732082" y="967592"/>
+        <a:ext cx="1615315" cy="3250768"/>
       </dsp:txXfrm>
     </dsp:sp>
     <dsp:sp modelId="{B026CB59-CE08-4ABA-9F11-DF7005897C39}">
@@ -2833,8 +2852,8 @@
         </a:p>
       </dsp:txBody>
       <dsp:txXfrm>
-        <a:off x="6566837" y="2385691"/>
-        <a:ext cx="358672" cy="414571"/>
+        <a:off x="6566837" y="2468605"/>
+        <a:ext cx="251070" cy="248743"/>
       </dsp:txXfrm>
     </dsp:sp>
     <dsp:sp modelId="{0BA57FF7-C4BC-422A-82B6-F2BAF981D5E9}">
@@ -2972,7 +2991,7 @@
               <a:latin typeface="Arial" panose="020B0604020202020204" pitchFamily="34" charset="0"/>
               <a:cs typeface="Arial" panose="020B0604020202020204" pitchFamily="34" charset="0"/>
             </a:rPr>
-            <a:t>1pregnencies</a:t>
+            <a:t>Glucose</a:t>
           </a:r>
           <a:endParaRPr lang="en-IN" sz="1000" b="1" kern="1200" dirty="0">
             <a:latin typeface="Arial" panose="020B0604020202020204" pitchFamily="34" charset="0"/>
@@ -3058,14 +3077,7 @@
               <a:latin typeface="Arial" panose="020B0604020202020204" pitchFamily="34" charset="0"/>
               <a:cs typeface="Arial" panose="020B0604020202020204" pitchFamily="34" charset="0"/>
             </a:rPr>
-            <a:t>3 </a:t>
-          </a:r>
-          <a:r>
-            <a:rPr lang="en-IN" sz="1000" b="1" kern="1200" dirty="0" err="1" smtClean="0">
-              <a:latin typeface="Arial" panose="020B0604020202020204" pitchFamily="34" charset="0"/>
-              <a:cs typeface="Arial" panose="020B0604020202020204" pitchFamily="34" charset="0"/>
-            </a:rPr>
-            <a:t>SkinThickness</a:t>
+            <a:t>3Age</a:t>
           </a:r>
           <a:endParaRPr lang="en-IN" sz="1000" b="1" kern="1200" dirty="0">
             <a:latin typeface="Arial" panose="020B0604020202020204" pitchFamily="34" charset="0"/>
@@ -3074,8 +3086,8 @@
         </a:p>
       </dsp:txBody>
       <dsp:txXfrm>
-        <a:off x="7074393" y="839245"/>
-        <a:ext cx="1671659" cy="3507463"/>
+        <a:off x="7123354" y="888206"/>
+        <a:ext cx="1573737" cy="3409541"/>
       </dsp:txXfrm>
     </dsp:sp>
     <dsp:sp modelId="{62A699FF-AAB3-4F17-A7B1-43BC44B82368}">
@@ -3143,8 +3155,8 @@
         </a:p>
       </dsp:txBody>
       <dsp:txXfrm>
-        <a:off x="8911200" y="2385691"/>
-        <a:ext cx="350110" cy="414571"/>
+        <a:off x="8911200" y="2468605"/>
+        <a:ext cx="245077" cy="248743"/>
       </dsp:txXfrm>
     </dsp:sp>
     <dsp:sp modelId="{CD93A553-5597-4370-9698-7D1C46AC476B}">
@@ -3238,12 +3250,30 @@
             <a:buChar char="••"/>
           </a:pPr>
           <a:r>
-            <a:rPr lang="en-IN" sz="1000" kern="1200">
+            <a:rPr lang="en-IN" sz="1000" kern="1200" dirty="0">
               <a:latin typeface="Arial" panose="020B0604020202020204" pitchFamily="34" charset="0"/>
               <a:cs typeface="Arial" panose="020B0604020202020204" pitchFamily="34" charset="0"/>
             </a:rPr>
             <a:t>3 Variables</a:t>
           </a:r>
+        </a:p>
+        <a:p>
+          <a:pPr marL="57150" lvl="1" indent="-57150" algn="l" defTabSz="444500">
+            <a:lnSpc>
+              <a:spcPct val="90000"/>
+            </a:lnSpc>
+            <a:spcBef>
+              <a:spcPct val="0"/>
+            </a:spcBef>
+            <a:spcAft>
+              <a:spcPct val="15000"/>
+            </a:spcAft>
+            <a:buChar char="••"/>
+          </a:pPr>
+          <a:endParaRPr lang="en-IN" sz="1000" kern="1200" dirty="0">
+            <a:latin typeface="Arial" panose="020B0604020202020204" pitchFamily="34" charset="0"/>
+            <a:cs typeface="Arial" panose="020B0604020202020204" pitchFamily="34" charset="0"/>
+          </a:endParaRPr>
         </a:p>
         <a:p>
           <a:pPr marL="57150" lvl="1" indent="-57150" algn="l" defTabSz="444500">
@@ -3259,17 +3289,21 @@
             <a:buChar char="••"/>
           </a:pPr>
           <a:r>
-            <a:rPr lang="en-IN" sz="1000" kern="1200" dirty="0">
+            <a:rPr lang="en-IN" sz="1000" kern="1200" dirty="0" smtClean="0">
               <a:latin typeface="Arial" panose="020B0604020202020204" pitchFamily="34" charset="0"/>
               <a:cs typeface="Arial" panose="020B0604020202020204" pitchFamily="34" charset="0"/>
             </a:rPr>
-            <a:t>Discover rules</a:t>
+            <a:t>If </a:t>
           </a:r>
+          <a:endParaRPr lang="en-IN" sz="1000" kern="1200" dirty="0">
+            <a:latin typeface="Arial" panose="020B0604020202020204" pitchFamily="34" charset="0"/>
+            <a:cs typeface="Arial" panose="020B0604020202020204" pitchFamily="34" charset="0"/>
+          </a:endParaRPr>
         </a:p>
       </dsp:txBody>
       <dsp:txXfrm>
-        <a:off x="9406640" y="715423"/>
-        <a:ext cx="1671659" cy="3755106"/>
+        <a:off x="9455601" y="764384"/>
+        <a:ext cx="1573737" cy="3657184"/>
       </dsp:txXfrm>
     </dsp:sp>
   </dsp:spTree>
@@ -4588,7 +4622,7 @@
             <a:fld id="{9E09D36F-6184-4D15-9633-968BEC704B52}" type="datetimeFigureOut">
               <a:rPr lang="en-US" smtClean="0"/>
               <a:pPr/>
-              <a:t>4/13/2018</a:t>
+              <a:t>4/14/2018</a:t>
             </a:fld>
             <a:endParaRPr lang="en-US"/>
           </a:p>
@@ -4640,7 +4674,7 @@
     </p:spTree>
     <p:extLst>
       <p:ext uri="{BB962C8B-B14F-4D97-AF65-F5344CB8AC3E}">
-        <p14:creationId xmlns:p14="http://schemas.microsoft.com/office/powerpoint/2010/main" xmlns="" val="438990305"/>
+        <p14:creationId xmlns:p14="http://schemas.microsoft.com/office/powerpoint/2010/main" val="438990305"/>
       </p:ext>
     </p:extLst>
   </p:cSld>
@@ -4760,7 +4794,7 @@
             <a:fld id="{9E09D36F-6184-4D15-9633-968BEC704B52}" type="datetimeFigureOut">
               <a:rPr lang="en-US" smtClean="0"/>
               <a:pPr/>
-              <a:t>4/13/2018</a:t>
+              <a:t>4/14/2018</a:t>
             </a:fld>
             <a:endParaRPr lang="en-US"/>
           </a:p>
@@ -4812,7 +4846,7 @@
     </p:spTree>
     <p:extLst>
       <p:ext uri="{BB962C8B-B14F-4D97-AF65-F5344CB8AC3E}">
-        <p14:creationId xmlns:p14="http://schemas.microsoft.com/office/powerpoint/2010/main" xmlns="" val="1732524593"/>
+        <p14:creationId xmlns:p14="http://schemas.microsoft.com/office/powerpoint/2010/main" val="1732524593"/>
       </p:ext>
     </p:extLst>
   </p:cSld>
@@ -4942,7 +4976,7 @@
             <a:fld id="{9E09D36F-6184-4D15-9633-968BEC704B52}" type="datetimeFigureOut">
               <a:rPr lang="en-US" smtClean="0"/>
               <a:pPr/>
-              <a:t>4/13/2018</a:t>
+              <a:t>4/14/2018</a:t>
             </a:fld>
             <a:endParaRPr lang="en-US"/>
           </a:p>
@@ -4994,7 +5028,7 @@
     </p:spTree>
     <p:extLst>
       <p:ext uri="{BB962C8B-B14F-4D97-AF65-F5344CB8AC3E}">
-        <p14:creationId xmlns:p14="http://schemas.microsoft.com/office/powerpoint/2010/main" xmlns="" val="1142040756"/>
+        <p14:creationId xmlns:p14="http://schemas.microsoft.com/office/powerpoint/2010/main" val="1142040756"/>
       </p:ext>
     </p:extLst>
   </p:cSld>
@@ -5114,7 +5148,7 @@
             <a:fld id="{9E09D36F-6184-4D15-9633-968BEC704B52}" type="datetimeFigureOut">
               <a:rPr lang="en-US" smtClean="0"/>
               <a:pPr/>
-              <a:t>4/13/2018</a:t>
+              <a:t>4/14/2018</a:t>
             </a:fld>
             <a:endParaRPr lang="en-US"/>
           </a:p>
@@ -5166,7 +5200,7 @@
     </p:spTree>
     <p:extLst>
       <p:ext uri="{BB962C8B-B14F-4D97-AF65-F5344CB8AC3E}">
-        <p14:creationId xmlns:p14="http://schemas.microsoft.com/office/powerpoint/2010/main" xmlns="" val="1194719573"/>
+        <p14:creationId xmlns:p14="http://schemas.microsoft.com/office/powerpoint/2010/main" val="1194719573"/>
       </p:ext>
     </p:extLst>
   </p:cSld>
@@ -5362,7 +5396,7 @@
             <a:fld id="{9E09D36F-6184-4D15-9633-968BEC704B52}" type="datetimeFigureOut">
               <a:rPr lang="en-US" smtClean="0"/>
               <a:pPr/>
-              <a:t>4/13/2018</a:t>
+              <a:t>4/14/2018</a:t>
             </a:fld>
             <a:endParaRPr lang="en-US"/>
           </a:p>
@@ -5414,7 +5448,7 @@
     </p:spTree>
     <p:extLst>
       <p:ext uri="{BB962C8B-B14F-4D97-AF65-F5344CB8AC3E}">
-        <p14:creationId xmlns:p14="http://schemas.microsoft.com/office/powerpoint/2010/main" xmlns="" val="143010576"/>
+        <p14:creationId xmlns:p14="http://schemas.microsoft.com/office/powerpoint/2010/main" val="143010576"/>
       </p:ext>
     </p:extLst>
   </p:cSld>
@@ -5596,7 +5630,7 @@
             <a:fld id="{9E09D36F-6184-4D15-9633-968BEC704B52}" type="datetimeFigureOut">
               <a:rPr lang="en-US" smtClean="0"/>
               <a:pPr/>
-              <a:t>4/13/2018</a:t>
+              <a:t>4/14/2018</a:t>
             </a:fld>
             <a:endParaRPr lang="en-US"/>
           </a:p>
@@ -5648,7 +5682,7 @@
     </p:spTree>
     <p:extLst>
       <p:ext uri="{BB962C8B-B14F-4D97-AF65-F5344CB8AC3E}">
-        <p14:creationId xmlns:p14="http://schemas.microsoft.com/office/powerpoint/2010/main" xmlns="" val="2761676541"/>
+        <p14:creationId xmlns:p14="http://schemas.microsoft.com/office/powerpoint/2010/main" val="2761676541"/>
       </p:ext>
     </p:extLst>
   </p:cSld>
@@ -5965,7 +5999,7 @@
             <a:fld id="{9E09D36F-6184-4D15-9633-968BEC704B52}" type="datetimeFigureOut">
               <a:rPr lang="en-US" smtClean="0"/>
               <a:pPr/>
-              <a:t>4/13/2018</a:t>
+              <a:t>4/14/2018</a:t>
             </a:fld>
             <a:endParaRPr lang="en-US"/>
           </a:p>
@@ -6017,7 +6051,7 @@
     </p:spTree>
     <p:extLst>
       <p:ext uri="{BB962C8B-B14F-4D97-AF65-F5344CB8AC3E}">
-        <p14:creationId xmlns:p14="http://schemas.microsoft.com/office/powerpoint/2010/main" xmlns="" val="3306349087"/>
+        <p14:creationId xmlns:p14="http://schemas.microsoft.com/office/powerpoint/2010/main" val="3306349087"/>
       </p:ext>
     </p:extLst>
   </p:cSld>
@@ -6085,7 +6119,7 @@
             <a:fld id="{9E09D36F-6184-4D15-9633-968BEC704B52}" type="datetimeFigureOut">
               <a:rPr lang="en-US" smtClean="0"/>
               <a:pPr/>
-              <a:t>4/13/2018</a:t>
+              <a:t>4/14/2018</a:t>
             </a:fld>
             <a:endParaRPr lang="en-US"/>
           </a:p>
@@ -6137,7 +6171,7 @@
     </p:spTree>
     <p:extLst>
       <p:ext uri="{BB962C8B-B14F-4D97-AF65-F5344CB8AC3E}">
-        <p14:creationId xmlns:p14="http://schemas.microsoft.com/office/powerpoint/2010/main" xmlns="" val="1435418090"/>
+        <p14:creationId xmlns:p14="http://schemas.microsoft.com/office/powerpoint/2010/main" val="1435418090"/>
       </p:ext>
     </p:extLst>
   </p:cSld>
@@ -6182,7 +6216,7 @@
             <a:fld id="{9E09D36F-6184-4D15-9633-968BEC704B52}" type="datetimeFigureOut">
               <a:rPr lang="en-US" smtClean="0"/>
               <a:pPr/>
-              <a:t>4/13/2018</a:t>
+              <a:t>4/14/2018</a:t>
             </a:fld>
             <a:endParaRPr lang="en-US"/>
           </a:p>
@@ -6234,7 +6268,7 @@
     </p:spTree>
     <p:extLst>
       <p:ext uri="{BB962C8B-B14F-4D97-AF65-F5344CB8AC3E}">
-        <p14:creationId xmlns:p14="http://schemas.microsoft.com/office/powerpoint/2010/main" xmlns="" val="759369207"/>
+        <p14:creationId xmlns:p14="http://schemas.microsoft.com/office/powerpoint/2010/main" val="759369207"/>
       </p:ext>
     </p:extLst>
   </p:cSld>
@@ -6461,7 +6495,7 @@
             <a:fld id="{9E09D36F-6184-4D15-9633-968BEC704B52}" type="datetimeFigureOut">
               <a:rPr lang="en-US" smtClean="0"/>
               <a:pPr/>
-              <a:t>4/13/2018</a:t>
+              <a:t>4/14/2018</a:t>
             </a:fld>
             <a:endParaRPr lang="en-US"/>
           </a:p>
@@ -6513,7 +6547,7 @@
     </p:spTree>
     <p:extLst>
       <p:ext uri="{BB962C8B-B14F-4D97-AF65-F5344CB8AC3E}">
-        <p14:creationId xmlns:p14="http://schemas.microsoft.com/office/powerpoint/2010/main" xmlns="" val="2875151783"/>
+        <p14:creationId xmlns:p14="http://schemas.microsoft.com/office/powerpoint/2010/main" val="2875151783"/>
       </p:ext>
     </p:extLst>
   </p:cSld>
@@ -6716,7 +6750,7 @@
             <a:fld id="{9E09D36F-6184-4D15-9633-968BEC704B52}" type="datetimeFigureOut">
               <a:rPr lang="en-US" smtClean="0"/>
               <a:pPr/>
-              <a:t>4/13/2018</a:t>
+              <a:t>4/14/2018</a:t>
             </a:fld>
             <a:endParaRPr lang="en-US"/>
           </a:p>
@@ -6768,7 +6802,7 @@
     </p:spTree>
     <p:extLst>
       <p:ext uri="{BB962C8B-B14F-4D97-AF65-F5344CB8AC3E}">
-        <p14:creationId xmlns:p14="http://schemas.microsoft.com/office/powerpoint/2010/main" xmlns="" val="3417850116"/>
+        <p14:creationId xmlns:p14="http://schemas.microsoft.com/office/powerpoint/2010/main" val="3417850116"/>
       </p:ext>
     </p:extLst>
   </p:cSld>
@@ -6931,7 +6965,7 @@
             <a:fld id="{9E09D36F-6184-4D15-9633-968BEC704B52}" type="datetimeFigureOut">
               <a:rPr lang="en-US" smtClean="0"/>
               <a:pPr/>
-              <a:t>4/13/2018</a:t>
+              <a:t>4/14/2018</a:t>
             </a:fld>
             <a:endParaRPr lang="en-US"/>
           </a:p>
@@ -7019,7 +7053,7 @@
     </p:spTree>
     <p:extLst>
       <p:ext uri="{BB962C8B-B14F-4D97-AF65-F5344CB8AC3E}">
-        <p14:creationId xmlns:p14="http://schemas.microsoft.com/office/powerpoint/2010/main" xmlns="" val="2225413235"/>
+        <p14:creationId xmlns:p14="http://schemas.microsoft.com/office/powerpoint/2010/main" val="2225413235"/>
       </p:ext>
     </p:extLst>
   </p:cSld>
@@ -7369,6 +7403,11 @@
           </p:cNvGraphicFramePr>
           <p:nvPr>
             <p:ph idx="1"/>
+            <p:extLst>
+              <p:ext uri="{D42A27DB-BD31-4B8C-83A1-F6EECF244321}">
+                <p14:modId xmlns:p14="http://schemas.microsoft.com/office/powerpoint/2010/main" val="2957842114"/>
+              </p:ext>
+            </p:extLst>
           </p:nvPr>
         </p:nvGraphicFramePr>
         <p:xfrm>
@@ -7382,6 +7421,382 @@
         </a:graphic>
       </p:graphicFrame>
     </p:spTree>
+  </p:cSld>
+  <p:clrMapOvr>
+    <a:masterClrMapping/>
+  </p:clrMapOvr>
+</p:sld>
+</file>
+
+<file path=ppt/slides/slide2.xml><?xml version="1.0" encoding="utf-8"?>
+<p:sld xmlns:a="http://schemas.openxmlformats.org/drawingml/2006/main" xmlns:r="http://schemas.openxmlformats.org/officeDocument/2006/relationships" xmlns:p="http://schemas.openxmlformats.org/presentationml/2006/main">
+  <p:cSld>
+    <p:spTree>
+      <p:nvGrpSpPr>
+        <p:cNvPr id="1" name=""/>
+        <p:cNvGrpSpPr/>
+        <p:nvPr/>
+      </p:nvGrpSpPr>
+      <p:grpSpPr>
+        <a:xfrm>
+          <a:off x="0" y="0"/>
+          <a:ext cx="0" cy="0"/>
+          <a:chOff x="0" y="0"/>
+          <a:chExt cx="0" cy="0"/>
+        </a:xfrm>
+      </p:grpSpPr>
+      <p:sp>
+        <p:nvSpPr>
+          <p:cNvPr id="2" name="Title 1"/>
+          <p:cNvSpPr>
+            <a:spLocks noGrp="1"/>
+          </p:cNvSpPr>
+          <p:nvPr>
+            <p:ph type="title"/>
+          </p:nvPr>
+        </p:nvSpPr>
+        <p:spPr/>
+        <p:txBody>
+          <a:bodyPr/>
+          <a:lstStyle/>
+          <a:p>
+            <a:r>
+              <a:rPr lang="en-US" dirty="0" smtClean="0"/>
+              <a:t>                   </a:t>
+            </a:r>
+            <a:r>
+              <a:rPr lang="en-US" dirty="0" err="1" smtClean="0"/>
+              <a:t>Univarable</a:t>
+            </a:r>
+            <a:r>
+              <a:rPr lang="en-US" dirty="0" smtClean="0"/>
+              <a:t> Histogram</a:t>
+            </a:r>
+            <a:endParaRPr lang="en-US" dirty="0"/>
+          </a:p>
+        </p:txBody>
+      </p:sp>
+      <p:pic>
+        <p:nvPicPr>
+          <p:cNvPr id="4" name="Content Placeholder 3"/>
+          <p:cNvPicPr>
+            <a:picLocks noGrp="1" noChangeAspect="1"/>
+          </p:cNvPicPr>
+          <p:nvPr>
+            <p:ph idx="1"/>
+          </p:nvPr>
+        </p:nvPicPr>
+        <p:blipFill>
+          <a:blip r:embed="rId2"/>
+          <a:stretch>
+            <a:fillRect/>
+          </a:stretch>
+        </p:blipFill>
+        <p:spPr>
+          <a:xfrm>
+            <a:off x="963385" y="1932904"/>
+            <a:ext cx="10221685" cy="4778139"/>
+          </a:xfrm>
+          <a:prstGeom prst="rect">
+            <a:avLst/>
+          </a:prstGeom>
+        </p:spPr>
+      </p:pic>
+    </p:spTree>
+    <p:extLst>
+      <p:ext uri="{BB962C8B-B14F-4D97-AF65-F5344CB8AC3E}">
+        <p14:creationId xmlns:p14="http://schemas.microsoft.com/office/powerpoint/2010/main" val="3101378343"/>
+      </p:ext>
+    </p:extLst>
+  </p:cSld>
+  <p:clrMapOvr>
+    <a:masterClrMapping/>
+  </p:clrMapOvr>
+</p:sld>
+</file>
+
+<file path=ppt/slides/slide3.xml><?xml version="1.0" encoding="utf-8"?>
+<p:sld xmlns:a="http://schemas.openxmlformats.org/drawingml/2006/main" xmlns:r="http://schemas.openxmlformats.org/officeDocument/2006/relationships" xmlns:p="http://schemas.openxmlformats.org/presentationml/2006/main">
+  <p:cSld>
+    <p:spTree>
+      <p:nvGrpSpPr>
+        <p:cNvPr id="1" name=""/>
+        <p:cNvGrpSpPr/>
+        <p:nvPr/>
+      </p:nvGrpSpPr>
+      <p:grpSpPr>
+        <a:xfrm>
+          <a:off x="0" y="0"/>
+          <a:ext cx="0" cy="0"/>
+          <a:chOff x="0" y="0"/>
+          <a:chExt cx="0" cy="0"/>
+        </a:xfrm>
+      </p:grpSpPr>
+      <p:sp>
+        <p:nvSpPr>
+          <p:cNvPr id="2" name="Title 1"/>
+          <p:cNvSpPr>
+            <a:spLocks noGrp="1"/>
+          </p:cNvSpPr>
+          <p:nvPr>
+            <p:ph type="title"/>
+          </p:nvPr>
+        </p:nvSpPr>
+        <p:spPr/>
+        <p:txBody>
+          <a:bodyPr/>
+          <a:lstStyle/>
+          <a:p>
+            <a:pPr lvl="0"/>
+            <a:r>
+              <a:rPr lang="en-IN" dirty="0" smtClean="0">
+                <a:latin typeface="Arial" panose="020B0604020202020204" pitchFamily="34" charset="0"/>
+                <a:cs typeface="Arial" panose="020B0604020202020204" pitchFamily="34" charset="0"/>
+              </a:rPr>
+              <a:t>    Scatterplot for X and Y variable</a:t>
+            </a:r>
+            <a:br>
+              <a:rPr lang="en-IN" dirty="0" smtClean="0">
+                <a:latin typeface="Arial" panose="020B0604020202020204" pitchFamily="34" charset="0"/>
+                <a:cs typeface="Arial" panose="020B0604020202020204" pitchFamily="34" charset="0"/>
+              </a:rPr>
+            </a:br>
+            <a:r>
+              <a:rPr lang="en-IN" dirty="0">
+                <a:latin typeface="Arial" panose="020B0604020202020204" pitchFamily="34" charset="0"/>
+                <a:cs typeface="Arial" panose="020B0604020202020204" pitchFamily="34" charset="0"/>
+              </a:rPr>
+              <a:t> </a:t>
+            </a:r>
+            <a:r>
+              <a:rPr lang="en-IN" dirty="0" smtClean="0">
+                <a:latin typeface="Arial" panose="020B0604020202020204" pitchFamily="34" charset="0"/>
+                <a:cs typeface="Arial" panose="020B0604020202020204" pitchFamily="34" charset="0"/>
+              </a:rPr>
+              <a:t>    </a:t>
+            </a:r>
+            <a:r>
+              <a:rPr lang="en-US" dirty="0" smtClean="0"/>
+              <a:t> </a:t>
+            </a:r>
+            <a:endParaRPr lang="en-US" dirty="0"/>
+          </a:p>
+        </p:txBody>
+      </p:sp>
+      <p:pic>
+        <p:nvPicPr>
+          <p:cNvPr id="9" name="Content Placeholder 8"/>
+          <p:cNvPicPr>
+            <a:picLocks noGrp="1" noChangeAspect="1"/>
+          </p:cNvPicPr>
+          <p:nvPr>
+            <p:ph idx="1"/>
+          </p:nvPr>
+        </p:nvPicPr>
+        <p:blipFill>
+          <a:blip r:embed="rId2"/>
+          <a:stretch>
+            <a:fillRect/>
+          </a:stretch>
+        </p:blipFill>
+        <p:spPr>
+          <a:xfrm>
+            <a:off x="1081825" y="1558345"/>
+            <a:ext cx="9929612" cy="4971244"/>
+          </a:xfrm>
+          <a:prstGeom prst="rect">
+            <a:avLst/>
+          </a:prstGeom>
+        </p:spPr>
+      </p:pic>
+    </p:spTree>
+    <p:extLst>
+      <p:ext uri="{BB962C8B-B14F-4D97-AF65-F5344CB8AC3E}">
+        <p14:creationId xmlns:p14="http://schemas.microsoft.com/office/powerpoint/2010/main" val="1620895261"/>
+      </p:ext>
+    </p:extLst>
+  </p:cSld>
+  <p:clrMapOvr>
+    <a:masterClrMapping/>
+  </p:clrMapOvr>
+</p:sld>
+</file>
+
+<file path=ppt/slides/slide4.xml><?xml version="1.0" encoding="utf-8"?>
+<p:sld xmlns:a="http://schemas.openxmlformats.org/drawingml/2006/main" xmlns:r="http://schemas.openxmlformats.org/officeDocument/2006/relationships" xmlns:p="http://schemas.openxmlformats.org/presentationml/2006/main">
+  <p:cSld>
+    <p:spTree>
+      <p:nvGrpSpPr>
+        <p:cNvPr id="1" name=""/>
+        <p:cNvGrpSpPr/>
+        <p:nvPr/>
+      </p:nvGrpSpPr>
+      <p:grpSpPr>
+        <a:xfrm>
+          <a:off x="0" y="0"/>
+          <a:ext cx="0" cy="0"/>
+          <a:chOff x="0" y="0"/>
+          <a:chExt cx="0" cy="0"/>
+        </a:xfrm>
+      </p:grpSpPr>
+      <p:sp>
+        <p:nvSpPr>
+          <p:cNvPr id="5" name="Rectangle 2"/>
+          <p:cNvSpPr>
+            <a:spLocks noGrp="1" noChangeArrowheads="1"/>
+          </p:cNvSpPr>
+          <p:nvPr>
+            <p:ph type="title"/>
+          </p:nvPr>
+        </p:nvSpPr>
+        <p:spPr bwMode="auto">
+          <a:xfrm>
+            <a:off x="838200" y="781685"/>
+            <a:ext cx="10014280" cy="492443"/>
+          </a:xfrm>
+          <a:prstGeom prst="rect">
+            <a:avLst/>
+          </a:prstGeom>
+          <a:noFill/>
+          <a:ln>
+            <a:noFill/>
+          </a:ln>
+          <a:effectLst/>
+          <a:extLst>
+            <a:ext uri="{909E8E84-426E-40DD-AFC4-6F175D3DCCD1}">
+              <a14:hiddenFill xmlns:a14="http://schemas.microsoft.com/office/drawing/2010/main">
+                <a:solidFill>
+                  <a:schemeClr val="accent1"/>
+                </a:solidFill>
+              </a14:hiddenFill>
+            </a:ext>
+            <a:ext uri="{91240B29-F687-4F45-9708-019B960494DF}">
+              <a14:hiddenLine xmlns:a14="http://schemas.microsoft.com/office/drawing/2010/main" w="9525">
+                <a:solidFill>
+                  <a:schemeClr val="tx1"/>
+                </a:solidFill>
+                <a:miter lim="800000"/>
+                <a:headEnd/>
+                <a:tailEnd/>
+              </a14:hiddenLine>
+            </a:ext>
+            <a:ext uri="{AF507438-7753-43E0-B8FC-AC1667EBCBE1}">
+              <a14:hiddenEffects xmlns:a14="http://schemas.microsoft.com/office/drawing/2010/main">
+                <a:effectLst>
+                  <a:outerShdw dist="35921" dir="2700000" algn="ctr" rotWithShape="0">
+                    <a:schemeClr val="bg2"/>
+                  </a:outerShdw>
+                </a:effectLst>
+              </a14:hiddenEffects>
+            </a:ext>
+          </a:extLst>
+        </p:spPr>
+        <p:txBody>
+          <a:bodyPr vert="horz" wrap="none" lIns="91440" tIns="0" rIns="91440" bIns="0" numCol="1" anchor="ctr" anchorCtr="0" compatLnSpc="1">
+            <a:prstTxWarp prst="textNoShape">
+              <a:avLst/>
+            </a:prstTxWarp>
+            <a:spAutoFit/>
+          </a:bodyPr>
+          <a:lstStyle/>
+          <a:p>
+            <a:pPr marL="0" marR="0" lvl="0" indent="0" algn="l" defTabSz="914400" rtl="0" eaLnBrk="0" fontAlgn="base" latinLnBrk="0" hangingPunct="0">
+              <a:lnSpc>
+                <a:spcPct val="100000"/>
+              </a:lnSpc>
+              <a:spcBef>
+                <a:spcPct val="0"/>
+              </a:spcBef>
+              <a:spcAft>
+                <a:spcPct val="0"/>
+              </a:spcAft>
+              <a:buClrTx/>
+              <a:buSzTx/>
+              <a:buFontTx/>
+              <a:buNone/>
+              <a:tabLst/>
+            </a:pPr>
+            <a:r>
+              <a:rPr kumimoji="0" lang="en-US" altLang="en-US" sz="3200" b="1" i="0" strike="noStrike" cap="none" normalizeH="0" baseline="0" dirty="0" smtClean="0">
+                <a:ln>
+                  <a:noFill/>
+                </a:ln>
+                <a:solidFill>
+                  <a:srgbClr val="24292E"/>
+                </a:solidFill>
+                <a:effectLst/>
+                <a:latin typeface="Times New Roman" panose="02020603050405020304" pitchFamily="18" charset="0"/>
+                <a:cs typeface="Times New Roman" panose="02020603050405020304" pitchFamily="18" charset="0"/>
+                <a:hlinkClick r:id="rId2" action="ppaction://hlinkpres?slideindex=1&amp;slidetitle="/>
+              </a:rPr>
+              <a:t>https://github.com/Ranjan4mh/assigment2_module1.git</a:t>
+            </a:r>
+            <a:r>
+              <a:rPr kumimoji="0" lang="en-US" altLang="en-US" sz="3200" b="1" i="0" strike="noStrike" cap="none" normalizeH="0" baseline="0" dirty="0" smtClean="0">
+                <a:ln>
+                  <a:noFill/>
+                </a:ln>
+                <a:solidFill>
+                  <a:schemeClr val="tx1"/>
+                </a:solidFill>
+                <a:effectLst/>
+                <a:latin typeface="Times New Roman" panose="02020603050405020304" pitchFamily="18" charset="0"/>
+                <a:cs typeface="Times New Roman" panose="02020603050405020304" pitchFamily="18" charset="0"/>
+                <a:hlinkClick r:id="rId2" action="ppaction://hlinkpres?slideindex=1&amp;slidetitle="/>
+              </a:rPr>
+              <a:t> </a:t>
+            </a:r>
+            <a:endParaRPr kumimoji="0" lang="en-US" altLang="en-US" sz="3200" b="1" i="0" strike="noStrike" cap="none" normalizeH="0" baseline="0" dirty="0" smtClean="0">
+              <a:ln>
+                <a:noFill/>
+              </a:ln>
+              <a:solidFill>
+                <a:schemeClr val="tx1"/>
+              </a:solidFill>
+              <a:effectLst/>
+              <a:latin typeface="Times New Roman" panose="02020603050405020304" pitchFamily="18" charset="0"/>
+              <a:cs typeface="Times New Roman" panose="02020603050405020304" pitchFamily="18" charset="0"/>
+            </a:endParaRPr>
+          </a:p>
+        </p:txBody>
+      </p:sp>
+      <p:sp>
+        <p:nvSpPr>
+          <p:cNvPr id="6" name="Content Placeholder 5"/>
+          <p:cNvSpPr>
+            <a:spLocks noGrp="1"/>
+          </p:cNvSpPr>
+          <p:nvPr>
+            <p:ph idx="1"/>
+          </p:nvPr>
+        </p:nvSpPr>
+        <p:spPr/>
+        <p:txBody>
+          <a:bodyPr/>
+          <a:lstStyle/>
+          <a:p>
+            <a:r>
+              <a:rPr lang="en-US" dirty="0" smtClean="0"/>
+              <a:t>Source code is available at the Above </a:t>
+            </a:r>
+            <a:r>
+              <a:rPr lang="en-US" dirty="0" err="1" smtClean="0"/>
+              <a:t>github</a:t>
+            </a:r>
+            <a:r>
+              <a:rPr lang="en-US" dirty="0" smtClean="0"/>
+              <a:t> link</a:t>
+            </a:r>
+            <a:endParaRPr lang="en-US" dirty="0"/>
+          </a:p>
+        </p:txBody>
+      </p:sp>
+    </p:spTree>
+    <p:extLst>
+      <p:ext uri="{BB962C8B-B14F-4D97-AF65-F5344CB8AC3E}">
+        <p14:creationId xmlns:p14="http://schemas.microsoft.com/office/powerpoint/2010/main" val="1221405544"/>
+      </p:ext>
+    </p:extLst>
   </p:cSld>
   <p:clrMapOvr>
     <a:masterClrMapping/>
@@ -7644,7 +8059,7 @@
   <a:extraClrSchemeLst/>
   <a:extLst>
     <a:ext uri="{05A4C25C-085E-4340-85A3-A5531E510DB2}">
-      <thm15:themeFamily xmlns:thm15="http://schemas.microsoft.com/office/thememl/2012/main" xmlns="" name="Office Theme" id="{62F939B6-93AF-4DB8-9C6B-D6C7DFDC589F}" vid="{4A3C46E8-61CC-4603-A589-7422A47A8E4A}"/>
+      <thm15:themeFamily xmlns:thm15="http://schemas.microsoft.com/office/thememl/2012/main" name="Office Theme" id="{62F939B6-93AF-4DB8-9C6B-D6C7DFDC589F}" vid="{4A3C46E8-61CC-4603-A589-7422A47A8E4A}"/>
     </a:ext>
   </a:extLst>
 </a:theme>
